--- a/Documents/PowerPoints/FallPresentation.pptx
+++ b/Documents/PowerPoints/FallPresentation.pptx
@@ -5,7 +5,7 @@
     <p:sldMasterId id="2147483648" r:id="rId1"/>
   </p:sldMasterIdLst>
   <p:notesMasterIdLst>
-    <p:notesMasterId r:id="rId11"/>
+    <p:notesMasterId r:id="rId10"/>
   </p:notesMasterIdLst>
   <p:sldIdLst>
     <p:sldId id="259" r:id="rId2"/>
@@ -15,8 +15,7 @@
     <p:sldId id="263" r:id="rId6"/>
     <p:sldId id="266" r:id="rId7"/>
     <p:sldId id="270" r:id="rId8"/>
-    <p:sldId id="271" r:id="rId9"/>
-    <p:sldId id="258" r:id="rId10"/>
+    <p:sldId id="258" r:id="rId9"/>
   </p:sldIdLst>
   <p:sldSz cx="9144000" cy="6858000" type="screen4x3"/>
   <p:notesSz cx="6858000" cy="9144000"/>
@@ -200,7 +199,7 @@
           <a:p>
             <a:fld id="{5B3307FB-C92B-4D29-BC6B-571330FBDC6B}" type="datetimeFigureOut">
               <a:rPr lang="en-US" smtClean="0"/>
-              <a:t>10/15/2012</a:t>
+              <a:t>10/16/2012</a:t>
             </a:fld>
             <a:endParaRPr lang="en-US"/>
           </a:p>
@@ -960,104 +959,6 @@
 </p:notes>
 </file>
 
-<file path=ppt/notesSlides/notesSlide6.xml><?xml version="1.0" encoding="utf-8"?>
-<p:notes xmlns:a="http://schemas.openxmlformats.org/drawingml/2006/main" xmlns:r="http://schemas.openxmlformats.org/officeDocument/2006/relationships" xmlns:p="http://schemas.openxmlformats.org/presentationml/2006/main">
-  <p:cSld>
-    <p:spTree>
-      <p:nvGrpSpPr>
-        <p:cNvPr id="1" name=""/>
-        <p:cNvGrpSpPr/>
-        <p:nvPr/>
-      </p:nvGrpSpPr>
-      <p:grpSpPr>
-        <a:xfrm>
-          <a:off x="0" y="0"/>
-          <a:ext cx="0" cy="0"/>
-          <a:chOff x="0" y="0"/>
-          <a:chExt cx="0" cy="0"/>
-        </a:xfrm>
-      </p:grpSpPr>
-      <p:sp>
-        <p:nvSpPr>
-          <p:cNvPr id="2" name="Slide Image Placeholder 1"/>
-          <p:cNvSpPr>
-            <a:spLocks noGrp="1" noRot="1" noChangeAspect="1"/>
-          </p:cNvSpPr>
-          <p:nvPr>
-            <p:ph type="sldImg"/>
-          </p:nvPr>
-        </p:nvSpPr>
-        <p:spPr/>
-      </p:sp>
-      <p:sp>
-        <p:nvSpPr>
-          <p:cNvPr id="3" name="Notes Placeholder 2"/>
-          <p:cNvSpPr>
-            <a:spLocks noGrp="1"/>
-          </p:cNvSpPr>
-          <p:nvPr>
-            <p:ph type="body" idx="1"/>
-          </p:nvPr>
-        </p:nvSpPr>
-        <p:spPr/>
-        <p:txBody>
-          <a:bodyPr/>
-          <a:lstStyle/>
-          <a:p>
-            <a:r>
-              <a:rPr lang="en-US" dirty="0" smtClean="0"/>
-              <a:t>Requirements Review </a:t>
-            </a:r>
-          </a:p>
-          <a:p>
-            <a:r>
-              <a:rPr lang="en-US" dirty="0" smtClean="0"/>
-              <a:t>Preliminary</a:t>
-            </a:r>
-            <a:r>
-              <a:rPr lang="en-US" baseline="0" dirty="0" smtClean="0"/>
-              <a:t> Design</a:t>
-            </a:r>
-            <a:endParaRPr lang="en-US" dirty="0"/>
-          </a:p>
-        </p:txBody>
-      </p:sp>
-      <p:sp>
-        <p:nvSpPr>
-          <p:cNvPr id="4" name="Slide Number Placeholder 3"/>
-          <p:cNvSpPr>
-            <a:spLocks noGrp="1"/>
-          </p:cNvSpPr>
-          <p:nvPr>
-            <p:ph type="sldNum" sz="quarter" idx="10"/>
-          </p:nvPr>
-        </p:nvSpPr>
-        <p:spPr/>
-        <p:txBody>
-          <a:bodyPr/>
-          <a:lstStyle/>
-          <a:p>
-            <a:fld id="{C831782F-21FA-48FB-9F9F-BED0A8723E8B}" type="slidenum">
-              <a:rPr lang="en-US" smtClean="0"/>
-              <a:t>8</a:t>
-            </a:fld>
-            <a:endParaRPr lang="en-US"/>
-          </a:p>
-        </p:txBody>
-      </p:sp>
-    </p:spTree>
-    <p:extLst>
-      <p:ext uri="{BB962C8B-B14F-4D97-AF65-F5344CB8AC3E}">
-        <p14:creationId xmlns:p14="http://schemas.microsoft.com/office/powerpoint/2010/main" val="3860529627"/>
-      </p:ext>
-    </p:extLst>
-  </p:cSld>
-  <p:clrMapOvr>
-    <a:masterClrMapping/>
-  </p:clrMapOvr>
-</p:notes>
-</file>
-
 <file path=ppt/slideLayouts/slideLayout1.xml><?xml version="1.0" encoding="utf-8"?>
 <p:sldLayout xmlns:a="http://schemas.openxmlformats.org/drawingml/2006/main" xmlns:r="http://schemas.openxmlformats.org/officeDocument/2006/relationships" xmlns:p="http://schemas.openxmlformats.org/presentationml/2006/main" type="title" preserve="1">
   <p:cSld name="Title Slide">
@@ -1239,7 +1140,7 @@
           <a:p>
             <a:fld id="{E0F00B92-EC2D-4A1C-8A94-0651B65C000C}" type="datetimeFigureOut">
               <a:rPr lang="en-US" smtClean="0"/>
-              <a:t>10/15/2012</a:t>
+              <a:t>10/16/2012</a:t>
             </a:fld>
             <a:endParaRPr lang="en-US"/>
           </a:p>
@@ -1409,7 +1310,7 @@
           <a:p>
             <a:fld id="{E0F00B92-EC2D-4A1C-8A94-0651B65C000C}" type="datetimeFigureOut">
               <a:rPr lang="en-US" smtClean="0"/>
-              <a:t>10/15/2012</a:t>
+              <a:t>10/16/2012</a:t>
             </a:fld>
             <a:endParaRPr lang="en-US"/>
           </a:p>
@@ -1589,7 +1490,7 @@
           <a:p>
             <a:fld id="{E0F00B92-EC2D-4A1C-8A94-0651B65C000C}" type="datetimeFigureOut">
               <a:rPr lang="en-US" smtClean="0"/>
-              <a:t>10/15/2012</a:t>
+              <a:t>10/16/2012</a:t>
             </a:fld>
             <a:endParaRPr lang="en-US"/>
           </a:p>
@@ -2188,7 +2089,7 @@
           <a:p>
             <a:fld id="{E0F00B92-EC2D-4A1C-8A94-0651B65C000C}" type="datetimeFigureOut">
               <a:rPr lang="en-US" smtClean="0"/>
-              <a:t>10/15/2012</a:t>
+              <a:t>10/16/2012</a:t>
             </a:fld>
             <a:endParaRPr lang="en-US"/>
           </a:p>
@@ -2434,7 +2335,7 @@
           <a:p>
             <a:fld id="{E0F00B92-EC2D-4A1C-8A94-0651B65C000C}" type="datetimeFigureOut">
               <a:rPr lang="en-US" smtClean="0"/>
-              <a:t>10/15/2012</a:t>
+              <a:t>10/16/2012</a:t>
             </a:fld>
             <a:endParaRPr lang="en-US"/>
           </a:p>
@@ -2722,7 +2623,7 @@
           <a:p>
             <a:fld id="{E0F00B92-EC2D-4A1C-8A94-0651B65C000C}" type="datetimeFigureOut">
               <a:rPr lang="en-US" smtClean="0"/>
-              <a:t>10/15/2012</a:t>
+              <a:t>10/16/2012</a:t>
             </a:fld>
             <a:endParaRPr lang="en-US"/>
           </a:p>
@@ -3144,7 +3045,7 @@
           <a:p>
             <a:fld id="{E0F00B92-EC2D-4A1C-8A94-0651B65C000C}" type="datetimeFigureOut">
               <a:rPr lang="en-US" smtClean="0"/>
-              <a:t>10/15/2012</a:t>
+              <a:t>10/16/2012</a:t>
             </a:fld>
             <a:endParaRPr lang="en-US"/>
           </a:p>
@@ -3262,7 +3163,7 @@
           <a:p>
             <a:fld id="{E0F00B92-EC2D-4A1C-8A94-0651B65C000C}" type="datetimeFigureOut">
               <a:rPr lang="en-US" smtClean="0"/>
-              <a:t>10/15/2012</a:t>
+              <a:t>10/16/2012</a:t>
             </a:fld>
             <a:endParaRPr lang="en-US"/>
           </a:p>
@@ -3357,7 +3258,7 @@
           <a:p>
             <a:fld id="{E0F00B92-EC2D-4A1C-8A94-0651B65C000C}" type="datetimeFigureOut">
               <a:rPr lang="en-US" smtClean="0"/>
-              <a:t>10/15/2012</a:t>
+              <a:t>10/16/2012</a:t>
             </a:fld>
             <a:endParaRPr lang="en-US"/>
           </a:p>
@@ -3634,7 +3535,7 @@
           <a:p>
             <a:fld id="{E0F00B92-EC2D-4A1C-8A94-0651B65C000C}" type="datetimeFigureOut">
               <a:rPr lang="en-US" smtClean="0"/>
-              <a:t>10/15/2012</a:t>
+              <a:t>10/16/2012</a:t>
             </a:fld>
             <a:endParaRPr lang="en-US"/>
           </a:p>
@@ -3887,7 +3788,7 @@
           <a:p>
             <a:fld id="{E0F00B92-EC2D-4A1C-8A94-0651B65C000C}" type="datetimeFigureOut">
               <a:rPr lang="en-US" smtClean="0"/>
-              <a:t>10/15/2012</a:t>
+              <a:t>10/16/2012</a:t>
             </a:fld>
             <a:endParaRPr lang="en-US"/>
           </a:p>
@@ -4100,7 +4001,7 @@
           <a:p>
             <a:fld id="{E0F00B92-EC2D-4A1C-8A94-0651B65C000C}" type="datetimeFigureOut">
               <a:rPr lang="en-US" smtClean="0"/>
-              <a:t>10/15/2012</a:t>
+              <a:t>10/16/2012</a:t>
             </a:fld>
             <a:endParaRPr lang="en-US"/>
           </a:p>
@@ -4508,7 +4409,6 @@
               <a:rPr lang="en-US" dirty="0" smtClean="0"/>
               <a:t>Sam Kim, Seth Troisi</a:t>
             </a:r>
-            <a:endParaRPr lang="en-US" dirty="0" smtClean="0"/>
           </a:p>
           <a:p>
             <a:pPr lvl="0"/>
@@ -4518,11 +4418,7 @@
             <a:pPr lvl="0"/>
             <a:r>
               <a:rPr lang="en-US" dirty="0" smtClean="0"/>
-              <a:t>October 17, </a:t>
-            </a:r>
-            <a:r>
-              <a:rPr lang="en-US" dirty="0" smtClean="0"/>
-              <a:t>2012</a:t>
+              <a:t>October 17, 2012</a:t>
             </a:r>
           </a:p>
         </p:txBody>
@@ -4564,11 +4460,7 @@
             </a:r>
             <a:r>
               <a:rPr lang="en-US" dirty="0" smtClean="0"/>
-              <a:t> </a:t>
-            </a:r>
-            <a:r>
-              <a:rPr lang="en-US" dirty="0" smtClean="0"/>
-              <a:t>Senior Design Project</a:t>
+              <a:t> Senior Design Project</a:t>
             </a:r>
             <a:br>
               <a:rPr lang="en-US" dirty="0" smtClean="0"/>
@@ -4766,7 +4658,11 @@
           <a:p>
             <a:r>
               <a:rPr lang="en-US" dirty="0" smtClean="0"/>
-              <a:t>Need for a mobile system that is similar to currently existing solution</a:t>
+              <a:t>There exists a need </a:t>
+            </a:r>
+            <a:r>
+              <a:rPr lang="en-US" dirty="0" smtClean="0"/>
+              <a:t>for a mobile system that is similar to currently existing solution</a:t>
             </a:r>
             <a:endParaRPr lang="en-US" dirty="0"/>
           </a:p>
@@ -4842,14 +4738,14 @@
             <p:ph idx="1"/>
             <p:extLst>
               <p:ext uri="{D42A27DB-BD31-4B8C-83A1-F6EECF244321}">
-                <p14:modId xmlns:p14="http://schemas.microsoft.com/office/powerpoint/2010/main" val="3615589935"/>
+                <p14:modId xmlns:p14="http://schemas.microsoft.com/office/powerpoint/2010/main" val="2356608272"/>
               </p:ext>
             </p:extLst>
           </p:nvPr>
         </p:nvGraphicFramePr>
         <p:xfrm>
-          <a:off x="457200" y="1600200"/>
-          <a:ext cx="8229600" cy="4683760"/>
+          <a:off x="1143000" y="1600200"/>
+          <a:ext cx="6934200" cy="4145280"/>
         </p:xfrm>
         <a:graphic>
           <a:graphicData uri="http://schemas.openxmlformats.org/drawingml/2006/table">
@@ -4859,7 +4755,6 @@
               </a:tblPr>
               <a:tblGrid>
                 <a:gridCol w="6934200"/>
-                <a:gridCol w="1295400"/>
               </a:tblGrid>
               <a:tr h="370840">
                 <a:tc>
@@ -4867,24 +4762,7 @@
                     <a:bodyPr/>
                     <a:lstStyle/>
                     <a:p>
-                      <a:r>
-                        <a:rPr lang="en-US" dirty="0" smtClean="0"/>
-                        <a:t>Requirement</a:t>
-                      </a:r>
-                      <a:endParaRPr lang="en-US" dirty="0"/>
-                    </a:p>
-                  </a:txBody>
-                  <a:tcPr/>
-                </a:tc>
-                <a:tc>
-                  <a:txBody>
-                    <a:bodyPr/>
-                    <a:lstStyle/>
-                    <a:p>
-                      <a:r>
-                        <a:rPr lang="en-US" dirty="0" smtClean="0"/>
-                        <a:t>Type</a:t>
-                      </a:r>
+                      <a:pPr algn="ctr"/>
                       <a:endParaRPr lang="en-US" dirty="0"/>
                     </a:p>
                   </a:txBody>
@@ -4907,20 +4785,6 @@
                           <a:cs typeface="+mn-cs"/>
                         </a:rPr>
                         <a:t>The system shall let the user zoom using an on-screen button</a:t>
-                      </a:r>
-                      <a:endParaRPr lang="en-US" dirty="0"/>
-                    </a:p>
-                  </a:txBody>
-                  <a:tcPr/>
-                </a:tc>
-                <a:tc>
-                  <a:txBody>
-                    <a:bodyPr/>
-                    <a:lstStyle/>
-                    <a:p>
-                      <a:r>
-                        <a:rPr lang="en-US" dirty="0" smtClean="0"/>
-                        <a:t>Functional</a:t>
                       </a:r>
                       <a:endParaRPr lang="en-US" dirty="0"/>
                     </a:p>
@@ -4957,20 +4821,6 @@
                           <a:cs typeface="+mn-cs"/>
                         </a:rPr>
                         <a:t>provided by a local server</a:t>
-                      </a:r>
-                      <a:endParaRPr lang="en-US" dirty="0"/>
-                    </a:p>
-                  </a:txBody>
-                  <a:tcPr/>
-                </a:tc>
-                <a:tc>
-                  <a:txBody>
-                    <a:bodyPr/>
-                    <a:lstStyle/>
-                    <a:p>
-                      <a:r>
-                        <a:rPr lang="en-US" dirty="0" smtClean="0"/>
-                        <a:t>Functional</a:t>
                       </a:r>
                       <a:endParaRPr lang="en-US" dirty="0"/>
                     </a:p>
@@ -5022,20 +4872,6 @@
                   </a:txBody>
                   <a:tcPr/>
                 </a:tc>
-                <a:tc>
-                  <a:txBody>
-                    <a:bodyPr/>
-                    <a:lstStyle/>
-                    <a:p>
-                      <a:r>
-                        <a:rPr lang="en-US" dirty="0" smtClean="0"/>
-                        <a:t>Functional</a:t>
-                      </a:r>
-                      <a:endParaRPr lang="en-US" dirty="0"/>
-                    </a:p>
-                  </a:txBody>
-                  <a:tcPr/>
-                </a:tc>
               </a:tr>
               <a:tr h="370840">
                 <a:tc>
@@ -5072,20 +4908,6 @@
                   </a:txBody>
                   <a:tcPr/>
                 </a:tc>
-                <a:tc>
-                  <a:txBody>
-                    <a:bodyPr/>
-                    <a:lstStyle/>
-                    <a:p>
-                      <a:r>
-                        <a:rPr lang="en-US" dirty="0" smtClean="0"/>
-                        <a:t>Functional</a:t>
-                      </a:r>
-                      <a:endParaRPr lang="en-US" dirty="0"/>
-                    </a:p>
-                  </a:txBody>
-                  <a:tcPr/>
-                </a:tc>
               </a:tr>
               <a:tr h="370840">
                 <a:tc>
@@ -5103,20 +4925,6 @@
                           <a:cs typeface="+mn-cs"/>
                         </a:rPr>
                         <a:t>The system shall display a compass</a:t>
-                      </a:r>
-                      <a:endParaRPr lang="en-US" dirty="0"/>
-                    </a:p>
-                  </a:txBody>
-                  <a:tcPr/>
-                </a:tc>
-                <a:tc>
-                  <a:txBody>
-                    <a:bodyPr/>
-                    <a:lstStyle/>
-                    <a:p>
-                      <a:r>
-                        <a:rPr lang="en-US" dirty="0" smtClean="0"/>
-                        <a:t>Functional</a:t>
                       </a:r>
                       <a:endParaRPr lang="en-US" dirty="0"/>
                     </a:p>
@@ -5159,20 +4967,6 @@
                   </a:txBody>
                   <a:tcPr/>
                 </a:tc>
-                <a:tc>
-                  <a:txBody>
-                    <a:bodyPr/>
-                    <a:lstStyle/>
-                    <a:p>
-                      <a:r>
-                        <a:rPr lang="en-US" dirty="0" smtClean="0"/>
-                        <a:t>Functional</a:t>
-                      </a:r>
-                      <a:endParaRPr lang="en-US" dirty="0"/>
-                    </a:p>
-                  </a:txBody>
-                  <a:tcPr/>
-                </a:tc>
               </a:tr>
               <a:tr h="370840">
                 <a:tc>
@@ -5196,20 +4990,6 @@
                   </a:txBody>
                   <a:tcPr/>
                 </a:tc>
-                <a:tc>
-                  <a:txBody>
-                    <a:bodyPr/>
-                    <a:lstStyle/>
-                    <a:p>
-                      <a:r>
-                        <a:rPr lang="en-US" dirty="0" smtClean="0"/>
-                        <a:t>Non-Functional</a:t>
-                      </a:r>
-                      <a:endParaRPr lang="en-US" dirty="0"/>
-                    </a:p>
-                  </a:txBody>
-                  <a:tcPr/>
-                </a:tc>
               </a:tr>
               <a:tr h="370840">
                 <a:tc>
@@ -5226,21 +5006,29 @@
                           <a:ea typeface="+mn-ea"/>
                           <a:cs typeface="+mn-cs"/>
                         </a:rPr>
-                        <a:t>The system shall display properly on either mobile phones or tablets</a:t>
+                        <a:t>The system shall display properly on </a:t>
                       </a:r>
-                      <a:endParaRPr lang="en-US" dirty="0"/>
-                    </a:p>
-                  </a:txBody>
-                  <a:tcPr/>
-                </a:tc>
-                <a:tc>
-                  <a:txBody>
-                    <a:bodyPr/>
-                    <a:lstStyle/>
-                    <a:p>
                       <a:r>
-                        <a:rPr lang="en-US" dirty="0" smtClean="0"/>
-                        <a:t>Non-Functional</a:t>
+                        <a:rPr lang="en-US" sz="1800" b="0" i="0" u="none" strike="noStrike" kern="1200" baseline="0" dirty="0" smtClean="0">
+                          <a:solidFill>
+                            <a:schemeClr val="dk1"/>
+                          </a:solidFill>
+                          <a:latin typeface="+mn-lt"/>
+                          <a:ea typeface="+mn-ea"/>
+                          <a:cs typeface="+mn-cs"/>
+                        </a:rPr>
+                        <a:t>both </a:t>
+                      </a:r>
+                      <a:r>
+                        <a:rPr lang="en-US" sz="1800" b="0" i="0" u="none" strike="noStrike" kern="1200" baseline="0" dirty="0" smtClean="0">
+                          <a:solidFill>
+                            <a:schemeClr val="dk1"/>
+                          </a:solidFill>
+                          <a:latin typeface="+mn-lt"/>
+                          <a:ea typeface="+mn-ea"/>
+                          <a:cs typeface="+mn-cs"/>
+                        </a:rPr>
+                        <a:t>mobile phones or tablets</a:t>
                       </a:r>
                       <a:endParaRPr lang="en-US" dirty="0"/>
                     </a:p>
@@ -5325,21 +5113,27 @@
         <p:spPr/>
         <p:txBody>
           <a:bodyPr>
-            <a:normAutofit lnSpcReduction="10000"/>
+            <a:normAutofit/>
           </a:bodyPr>
           <a:lstStyle/>
           <a:p>
             <a:r>
               <a:rPr lang="en-US" dirty="0" smtClean="0"/>
-              <a:t>Using a modified version of he waterfall model called Swift</a:t>
-            </a:r>
-          </a:p>
-          <a:p>
-            <a:pPr lvl="1"/>
+              <a:t>Using a modified version of </a:t>
+            </a:r>
             <a:r>
               <a:rPr lang="en-US" dirty="0" smtClean="0"/>
-              <a:t>Requirements will remain very static after requirements review</a:t>
-            </a:r>
+              <a:t>the </a:t>
+            </a:r>
+            <a:r>
+              <a:rPr lang="en-US" dirty="0" smtClean="0"/>
+              <a:t>waterfall model called </a:t>
+            </a:r>
+            <a:r>
+              <a:rPr lang="en-US" dirty="0" smtClean="0"/>
+              <a:t>Swift</a:t>
+            </a:r>
+            <a:endParaRPr lang="en-US" dirty="0" smtClean="0"/>
           </a:p>
           <a:p>
             <a:r>
@@ -5460,17 +5254,12 @@
           <a:p>
             <a:r>
               <a:rPr lang="en-US" dirty="0" smtClean="0"/>
-              <a:t>System Requirements Review:  </a:t>
-            </a:r>
-            <a:r>
-              <a:rPr lang="en-US" dirty="0" smtClean="0"/>
-              <a:t>     October 17</a:t>
+              <a:t>System Requirements Review:       October 17</a:t>
             </a:r>
             <a:r>
               <a:rPr lang="en-US" baseline="30000" dirty="0" smtClean="0"/>
               <a:t>th</a:t>
             </a:r>
-            <a:endParaRPr lang="en-US" baseline="30000" dirty="0" smtClean="0"/>
           </a:p>
           <a:p>
             <a:r>
@@ -5575,7 +5364,7 @@
             <a:fld id="{7E42FB2E-ABA8-41CA-9C7C-28F5EB525474}" type="datetime1">
               <a:rPr lang="en-US" smtClean="0"/>
               <a:pPr/>
-              <a:t>10/15/2012</a:t>
+              <a:t>10/16/2012</a:t>
             </a:fld>
             <a:endParaRPr lang="en-US" dirty="0"/>
           </a:p>
@@ -5615,11 +5404,11 @@
   <p:clrMapOvr>
     <a:masterClrMapping/>
   </p:clrMapOvr>
-  <mc:AlternateContent xmlns:mc="http://schemas.openxmlformats.org/markup-compatibility/2006">
-    <mc:Choice xmlns:p14="http://schemas.microsoft.com/office/powerpoint/2010/main" Requires="p14">
+  <mc:AlternateContent xmlns:mc="http://schemas.openxmlformats.org/markup-compatibility/2006" xmlns:p14="http://schemas.microsoft.com/office/powerpoint/2010/main">
+    <mc:Choice Requires="p14">
       <p:transition spd="slow" p14:dur="2000"/>
     </mc:Choice>
-    <mc:Fallback>
+    <mc:Fallback xmlns="">
       <p:transition spd="slow"/>
     </mc:Fallback>
   </mc:AlternateContent>
@@ -5692,82 +5481,100 @@
           </a:bodyPr>
           <a:lstStyle/>
           <a:p>
+            <a:pPr marL="0" indent="0">
+              <a:buNone/>
+            </a:pPr>
+            <a:r>
+              <a:rPr lang="en-US" sz="2400" dirty="0" smtClean="0"/>
+              <a:t>Assumptions</a:t>
+            </a:r>
+            <a:endParaRPr lang="en-US" sz="2400" dirty="0"/>
+          </a:p>
+          <a:p>
+            <a:r>
+              <a:rPr lang="en-US" sz="2000" dirty="0" smtClean="0"/>
+              <a:t>There </a:t>
+            </a:r>
+            <a:r>
+              <a:rPr lang="en-US" sz="2000" dirty="0"/>
+              <a:t>exists an open source mapping engine for Android devices</a:t>
+            </a:r>
+          </a:p>
+          <a:p>
+            <a:r>
+              <a:rPr lang="en-US" sz="2000" dirty="0" smtClean="0"/>
+              <a:t>The </a:t>
+            </a:r>
+            <a:r>
+              <a:rPr lang="en-US" sz="2000" dirty="0"/>
+              <a:t>mapping engine does not require an internet connection to run</a:t>
+            </a:r>
+          </a:p>
+          <a:p>
+            <a:r>
+              <a:rPr lang="en-US" sz="2000" dirty="0" smtClean="0"/>
+              <a:t>Android </a:t>
+            </a:r>
+            <a:r>
+              <a:rPr lang="en-US" sz="2000" dirty="0"/>
+              <a:t>devices can connect to a local server</a:t>
+            </a:r>
+          </a:p>
+          <a:p>
+            <a:pPr marL="0" indent="0">
+              <a:buNone/>
+            </a:pPr>
             <a:r>
               <a:rPr lang="en-US" sz="2400" dirty="0" smtClean="0"/>
               <a:t>Risks</a:t>
             </a:r>
-          </a:p>
-          <a:p>
-            <a:pPr lvl="1"/>
+            <a:endParaRPr lang="en-US" sz="2400" dirty="0"/>
+          </a:p>
+          <a:p>
+            <a:r>
+              <a:rPr lang="en-US" sz="2000" dirty="0"/>
+              <a:t>Performance of the system</a:t>
+            </a:r>
+          </a:p>
+          <a:p>
             <a:r>
               <a:rPr lang="en-US" sz="2000" dirty="0" smtClean="0"/>
-              <a:t>Find a </a:t>
+              <a:t>Organizing </a:t>
             </a:r>
             <a:r>
               <a:rPr lang="en-US" sz="2000" dirty="0"/>
-              <a:t>mapping engine that </a:t>
+              <a:t>data </a:t>
             </a:r>
             <a:r>
               <a:rPr lang="en-US" sz="2000" dirty="0" smtClean="0"/>
-              <a:t>supports Raytheon’s map format</a:t>
-            </a:r>
-          </a:p>
-          <a:p>
-            <a:r>
-              <a:rPr lang="en-US" sz="2400" dirty="0" smtClean="0"/>
-              <a:t>Assumptions</a:t>
-            </a:r>
-          </a:p>
-          <a:p>
-            <a:pPr lvl="1"/>
+              <a:t>in </a:t>
+            </a:r>
+            <a:r>
+              <a:rPr lang="en-US" sz="2000" dirty="0"/>
+              <a:t>the correct format in a timely </a:t>
+            </a:r>
             <a:r>
               <a:rPr lang="en-US" sz="2000" dirty="0" smtClean="0"/>
-              <a:t>There exists a mapping tool that provides the ability to perform basic functionality </a:t>
-            </a:r>
-            <a:r>
-              <a:rPr lang="en-US" sz="2000" dirty="0"/>
-              <a:t>(e.g. panning, zooming</a:t>
-            </a:r>
-            <a:r>
-              <a:rPr lang="en-US" sz="2000" dirty="0" smtClean="0"/>
-              <a:t>)</a:t>
-            </a:r>
-          </a:p>
-          <a:p>
-            <a:pPr lvl="1"/>
-            <a:r>
-              <a:rPr lang="en-US" sz="2000" dirty="0"/>
-              <a:t>Libraries for pulling mapping information from local server (e.g. </a:t>
-            </a:r>
-            <a:r>
-              <a:rPr lang="en-US" sz="2000" dirty="0" err="1"/>
-              <a:t>Wifi</a:t>
-            </a:r>
-            <a:r>
-              <a:rPr lang="en-US" sz="2000" dirty="0"/>
-              <a:t>, USB</a:t>
-            </a:r>
-            <a:r>
-              <a:rPr lang="en-US" sz="2000" dirty="0" smtClean="0"/>
-              <a:t>)</a:t>
-            </a:r>
-          </a:p>
-          <a:p>
+              <a:t>manner</a:t>
+            </a:r>
+          </a:p>
+          <a:p>
+            <a:pPr marL="0" indent="0">
+              <a:buNone/>
+            </a:pPr>
             <a:r>
               <a:rPr lang="en-US" sz="2400" dirty="0" smtClean="0"/>
               <a:t>Opportunities</a:t>
             </a:r>
-          </a:p>
-          <a:p>
-            <a:pPr lvl="1"/>
-            <a:r>
-              <a:rPr lang="en-US" sz="2000" dirty="0" smtClean="0"/>
-              <a:t>Google’s mapping engine may provide many required features</a:t>
-            </a:r>
-          </a:p>
-          <a:p>
             <a:endParaRPr lang="en-US" sz="2400" dirty="0"/>
           </a:p>
+          <a:p>
+            <a:r>
+              <a:rPr lang="en-US" sz="2000" dirty="0"/>
+              <a:t>Finding a feature complete mapping engine</a:t>
+            </a:r>
+            <a:endParaRPr lang="en-US" sz="2000" dirty="0"/>
+          </a:p>
         </p:txBody>
       </p:sp>
       <p:sp>
@@ -5788,7 +5595,7 @@
             <a:fld id="{1620389F-DE1D-44C7-B37E-89BCC2F680BE}" type="datetime1">
               <a:rPr lang="en-US" smtClean="0"/>
               <a:pPr/>
-              <a:t>10/15/2012</a:t>
+              <a:t>10/16/2012</a:t>
             </a:fld>
             <a:endParaRPr lang="en-US"/>
           </a:p>
@@ -5828,11 +5635,11 @@
   <p:clrMapOvr>
     <a:masterClrMapping/>
   </p:clrMapOvr>
-  <mc:AlternateContent xmlns:mc="http://schemas.openxmlformats.org/markup-compatibility/2006">
-    <mc:Choice xmlns:p14="http://schemas.microsoft.com/office/powerpoint/2010/main" Requires="p14">
+  <mc:AlternateContent xmlns:mc="http://schemas.openxmlformats.org/markup-compatibility/2006" xmlns:p14="http://schemas.microsoft.com/office/powerpoint/2010/main">
+    <mc:Choice Requires="p14">
       <p:transition spd="slow" p14:dur="2000"/>
     </mc:Choice>
-    <mc:Fallback>
+    <mc:Fallback xmlns="">
       <p:transition spd="slow"/>
     </mc:Fallback>
   </mc:AlternateContent>
@@ -5896,7 +5703,7 @@
             <p:ph idx="1"/>
             <p:extLst>
               <p:ext uri="{D42A27DB-BD31-4B8C-83A1-F6EECF244321}">
-                <p14:modId xmlns:p14="http://schemas.microsoft.com/office/powerpoint/2010/main" val="2980582281"/>
+                <p14:modId xmlns:p14="http://schemas.microsoft.com/office/powerpoint/2010/main" val="1724032552"/>
               </p:ext>
             </p:extLst>
           </p:nvPr>
@@ -6010,7 +5817,18 @@
                           <a:ea typeface="+mn-ea"/>
                           <a:cs typeface="+mn-cs"/>
                         </a:rPr>
-                        <a:t>Map must not require internet access</a:t>
+                        <a:t>App must </a:t>
+                      </a:r>
+                      <a:r>
+                        <a:rPr lang="en-US" sz="1800" b="0" i="0" u="none" strike="noStrike" kern="1200" baseline="0" dirty="0" smtClean="0">
+                          <a:solidFill>
+                            <a:schemeClr val="dk1"/>
+                          </a:solidFill>
+                          <a:latin typeface="+mn-lt"/>
+                          <a:ea typeface="+mn-ea"/>
+                          <a:cs typeface="+mn-cs"/>
+                        </a:rPr>
+                        <a:t>not require internet access</a:t>
                       </a:r>
                       <a:endParaRPr lang="en-US" dirty="0"/>
                     </a:p>
@@ -6033,7 +5851,18 @@
                           <a:ea typeface="+mn-ea"/>
                           <a:cs typeface="+mn-cs"/>
                         </a:rPr>
-                        <a:t>Map must be Android based</a:t>
+                        <a:t>App must </a:t>
+                      </a:r>
+                      <a:r>
+                        <a:rPr lang="en-US" sz="1800" b="0" i="0" u="none" strike="noStrike" kern="1200" baseline="0" dirty="0" smtClean="0">
+                          <a:solidFill>
+                            <a:schemeClr val="dk1"/>
+                          </a:solidFill>
+                          <a:latin typeface="+mn-lt"/>
+                          <a:ea typeface="+mn-ea"/>
+                          <a:cs typeface="+mn-cs"/>
+                        </a:rPr>
+                        <a:t>be Android based</a:t>
                       </a:r>
                       <a:endParaRPr lang="en-US" dirty="0"/>
                     </a:p>
@@ -6056,7 +5885,18 @@
                           <a:ea typeface="+mn-ea"/>
                           <a:cs typeface="+mn-cs"/>
                         </a:rPr>
-                        <a:t>Application must work on any size android device</a:t>
+                        <a:t>App </a:t>
+                      </a:r>
+                      <a:r>
+                        <a:rPr lang="en-US" sz="1800" b="0" i="0" u="none" strike="noStrike" kern="1200" baseline="0" dirty="0" smtClean="0">
+                          <a:solidFill>
+                            <a:schemeClr val="dk1"/>
+                          </a:solidFill>
+                          <a:latin typeface="+mn-lt"/>
+                          <a:ea typeface="+mn-ea"/>
+                          <a:cs typeface="+mn-cs"/>
+                        </a:rPr>
+                        <a:t>must work on any size android device</a:t>
                       </a:r>
                       <a:endParaRPr lang="en-US" dirty="0"/>
                     </a:p>
@@ -6089,105 +5929,6 @@
 </file>
 
 <file path=ppt/slides/slide8.xml><?xml version="1.0" encoding="utf-8"?>
-<p:sld xmlns:a="http://schemas.openxmlformats.org/drawingml/2006/main" xmlns:r="http://schemas.openxmlformats.org/officeDocument/2006/relationships" xmlns:p="http://schemas.openxmlformats.org/presentationml/2006/main">
-  <p:cSld>
-    <p:spTree>
-      <p:nvGrpSpPr>
-        <p:cNvPr id="1" name=""/>
-        <p:cNvGrpSpPr/>
-        <p:nvPr/>
-      </p:nvGrpSpPr>
-      <p:grpSpPr>
-        <a:xfrm>
-          <a:off x="0" y="0"/>
-          <a:ext cx="0" cy="0"/>
-          <a:chOff x="0" y="0"/>
-          <a:chExt cx="0" cy="0"/>
-        </a:xfrm>
-      </p:grpSpPr>
-      <p:sp>
-        <p:nvSpPr>
-          <p:cNvPr id="2" name="Title 1"/>
-          <p:cNvSpPr>
-            <a:spLocks noGrp="1"/>
-          </p:cNvSpPr>
-          <p:nvPr>
-            <p:ph type="title"/>
-          </p:nvPr>
-        </p:nvSpPr>
-        <p:spPr/>
-        <p:txBody>
-          <a:bodyPr/>
-          <a:lstStyle/>
-          <a:p>
-            <a:r>
-              <a:rPr lang="en-US" dirty="0" smtClean="0"/>
-              <a:t>Project Status</a:t>
-            </a:r>
-            <a:endParaRPr lang="en-US" dirty="0"/>
-          </a:p>
-        </p:txBody>
-      </p:sp>
-      <p:sp>
-        <p:nvSpPr>
-          <p:cNvPr id="3" name="Content Placeholder 2"/>
-          <p:cNvSpPr>
-            <a:spLocks noGrp="1"/>
-          </p:cNvSpPr>
-          <p:nvPr>
-            <p:ph idx="1"/>
-          </p:nvPr>
-        </p:nvSpPr>
-        <p:spPr/>
-        <p:txBody>
-          <a:bodyPr/>
-          <a:lstStyle/>
-          <a:p>
-            <a:r>
-              <a:rPr lang="en-US" dirty="0" smtClean="0"/>
-              <a:t>System Requirements Review October 17</a:t>
-            </a:r>
-            <a:r>
-              <a:rPr lang="en-US" baseline="30000" dirty="0" smtClean="0"/>
-              <a:t>th</a:t>
-            </a:r>
-            <a:r>
-              <a:rPr lang="en-US" dirty="0" smtClean="0"/>
-              <a:t> </a:t>
-            </a:r>
-          </a:p>
-          <a:p>
-            <a:r>
-              <a:rPr lang="en-US" dirty="0" smtClean="0"/>
-              <a:t>Preliminary Design Development</a:t>
-            </a:r>
-          </a:p>
-          <a:p>
-            <a:endParaRPr lang="en-US" dirty="0"/>
-          </a:p>
-        </p:txBody>
-      </p:sp>
-    </p:spTree>
-    <p:extLst>
-      <p:ext uri="{BB962C8B-B14F-4D97-AF65-F5344CB8AC3E}">
-        <p14:creationId xmlns:p14="http://schemas.microsoft.com/office/powerpoint/2010/main" val="3463783812"/>
-      </p:ext>
-    </p:extLst>
-  </p:cSld>
-  <p:clrMapOvr>
-    <a:masterClrMapping/>
-  </p:clrMapOvr>
-  <p:timing>
-    <p:tnLst>
-      <p:par>
-        <p:cTn id="1" dur="indefinite" restart="never" nodeType="tmRoot"/>
-      </p:par>
-    </p:tnLst>
-  </p:timing>
-</p:sld>
-</file>
-
-<file path=ppt/slides/slide9.xml><?xml version="1.0" encoding="utf-8"?>
 <p:sld xmlns:a="http://schemas.openxmlformats.org/drawingml/2006/main" xmlns:r="http://schemas.openxmlformats.org/officeDocument/2006/relationships" xmlns:p="http://schemas.openxmlformats.org/presentationml/2006/main">
   <p:cSld>
     <p:spTree>

--- a/Documents/PowerPoints/FallPresentation.pptx
+++ b/Documents/PowerPoints/FallPresentation.pptx
@@ -10,11 +10,11 @@
   <p:sldIdLst>
     <p:sldId id="259" r:id="rId2"/>
     <p:sldId id="267" r:id="rId3"/>
-    <p:sldId id="268" r:id="rId4"/>
-    <p:sldId id="269" r:id="rId5"/>
-    <p:sldId id="263" r:id="rId6"/>
+    <p:sldId id="270" r:id="rId4"/>
+    <p:sldId id="268" r:id="rId5"/>
+    <p:sldId id="269" r:id="rId6"/>
     <p:sldId id="266" r:id="rId7"/>
-    <p:sldId id="270" r:id="rId8"/>
+    <p:sldId id="271" r:id="rId8"/>
     <p:sldId id="258" r:id="rId9"/>
   </p:sldIdLst>
   <p:sldSz cx="9144000" cy="6858000" type="screen4x3"/>
@@ -601,7 +601,15 @@
           <a:p>
             <a:r>
               <a:rPr lang="en-US" dirty="0" smtClean="0"/>
-              <a:t>Key Needs</a:t>
+              <a:t>Common</a:t>
+            </a:r>
+            <a:r>
+              <a:rPr lang="en-US" baseline="0" dirty="0" smtClean="0"/>
+              <a:t> </a:t>
+            </a:r>
+            <a:r>
+              <a:rPr lang="en-US" dirty="0" smtClean="0"/>
+              <a:t>Mapping features plus no internet plus intranet</a:t>
             </a:r>
             <a:endParaRPr lang="en-US" dirty="0"/>
           </a:p>
@@ -633,7 +641,7 @@
     </p:spTree>
     <p:extLst>
       <p:ext uri="{BB962C8B-B14F-4D97-AF65-F5344CB8AC3E}">
-        <p14:creationId xmlns:p14="http://schemas.microsoft.com/office/powerpoint/2010/main" val="300349061"/>
+        <p14:creationId xmlns:p14="http://schemas.microsoft.com/office/powerpoint/2010/main" val="4232044814"/>
       </p:ext>
     </p:extLst>
   </p:cSld>
@@ -689,41 +697,7 @@
           <a:p>
             <a:r>
               <a:rPr lang="en-US" dirty="0" smtClean="0"/>
-              <a:t>Swift –</a:t>
-            </a:r>
-            <a:r>
-              <a:rPr lang="en-US" baseline="0" dirty="0" smtClean="0"/>
-              <a:t> modified waterfall</a:t>
-            </a:r>
-          </a:p>
-          <a:p>
-            <a:r>
-              <a:rPr lang="en-US" baseline="0" dirty="0" smtClean="0"/>
-              <a:t>Schedule on next slide</a:t>
-            </a:r>
-          </a:p>
-          <a:p>
-            <a:r>
-              <a:rPr lang="en-US" baseline="0" dirty="0" err="1" smtClean="0"/>
-              <a:t>Github</a:t>
-            </a:r>
-            <a:r>
-              <a:rPr lang="en-US" baseline="0" dirty="0" smtClean="0"/>
-              <a:t> for version control/ticket tracking</a:t>
-            </a:r>
-          </a:p>
-          <a:p>
-            <a:r>
-              <a:rPr lang="en-US" baseline="0" dirty="0" smtClean="0"/>
-              <a:t>Plan to use a </a:t>
-            </a:r>
-            <a:r>
-              <a:rPr lang="en-US" baseline="0" dirty="0" err="1" smtClean="0"/>
-              <a:t>kanban</a:t>
-            </a:r>
-            <a:r>
-              <a:rPr lang="en-US" baseline="0" dirty="0" smtClean="0"/>
-              <a:t> board for features during coding</a:t>
+              <a:t>Key Needs</a:t>
             </a:r>
             <a:endParaRPr lang="en-US" dirty="0"/>
           </a:p>
@@ -755,7 +729,7 @@
     </p:spTree>
     <p:extLst>
       <p:ext uri="{BB962C8B-B14F-4D97-AF65-F5344CB8AC3E}">
-        <p14:creationId xmlns:p14="http://schemas.microsoft.com/office/powerpoint/2010/main" val="3125880502"/>
+        <p14:creationId xmlns:p14="http://schemas.microsoft.com/office/powerpoint/2010/main" val="300349061"/>
       </p:ext>
     </p:extLst>
   </p:cSld>
@@ -811,17 +785,41 @@
           <a:p>
             <a:r>
               <a:rPr lang="en-US" dirty="0" smtClean="0"/>
-              <a:t>Talk about solutions to</a:t>
+              <a:t>Swift –</a:t>
             </a:r>
             <a:r>
               <a:rPr lang="en-US" baseline="0" dirty="0" smtClean="0"/>
-              <a:t> risks</a:t>
+              <a:t> modified waterfall</a:t>
             </a:r>
           </a:p>
           <a:p>
             <a:r>
               <a:rPr lang="en-US" baseline="0" dirty="0" smtClean="0"/>
-              <a:t>Copy things from docs</a:t>
+              <a:t>Schedule on next slide</a:t>
+            </a:r>
+          </a:p>
+          <a:p>
+            <a:r>
+              <a:rPr lang="en-US" baseline="0" dirty="0" err="1" smtClean="0"/>
+              <a:t>Github</a:t>
+            </a:r>
+            <a:r>
+              <a:rPr lang="en-US" baseline="0" dirty="0" smtClean="0"/>
+              <a:t> for version control/ticket tracking</a:t>
+            </a:r>
+          </a:p>
+          <a:p>
+            <a:r>
+              <a:rPr lang="en-US" baseline="0" dirty="0" smtClean="0"/>
+              <a:t>Plan to use a </a:t>
+            </a:r>
+            <a:r>
+              <a:rPr lang="en-US" baseline="0" dirty="0" err="1" smtClean="0"/>
+              <a:t>kanban</a:t>
+            </a:r>
+            <a:r>
+              <a:rPr lang="en-US" baseline="0" dirty="0" smtClean="0"/>
+              <a:t> board for features during coding</a:t>
             </a:r>
             <a:endParaRPr lang="en-US" dirty="0"/>
           </a:p>
@@ -844,7 +842,7 @@
           <a:p>
             <a:fld id="{C831782F-21FA-48FB-9F9F-BED0A8723E8B}" type="slidenum">
               <a:rPr lang="en-US" smtClean="0"/>
-              <a:t>6</a:t>
+              <a:t>5</a:t>
             </a:fld>
             <a:endParaRPr lang="en-US"/>
           </a:p>
@@ -853,7 +851,7 @@
     </p:spTree>
     <p:extLst>
       <p:ext uri="{BB962C8B-B14F-4D97-AF65-F5344CB8AC3E}">
-        <p14:creationId xmlns:p14="http://schemas.microsoft.com/office/powerpoint/2010/main" val="147438540"/>
+        <p14:creationId xmlns:p14="http://schemas.microsoft.com/office/powerpoint/2010/main" val="3125880502"/>
       </p:ext>
     </p:extLst>
   </p:cSld>
@@ -909,15 +907,17 @@
           <a:p>
             <a:r>
               <a:rPr lang="en-US" dirty="0" smtClean="0"/>
-              <a:t>Common</a:t>
+              <a:t>Talk about solutions to</a:t>
             </a:r>
             <a:r>
               <a:rPr lang="en-US" baseline="0" dirty="0" smtClean="0"/>
-              <a:t> </a:t>
-            </a:r>
-            <a:r>
-              <a:rPr lang="en-US" dirty="0" smtClean="0"/>
-              <a:t>Mapping features plus no internet plus intranet</a:t>
+              <a:t> risks</a:t>
+            </a:r>
+          </a:p>
+          <a:p>
+            <a:r>
+              <a:rPr lang="en-US" baseline="0" dirty="0" smtClean="0"/>
+              <a:t>Copy things from docs</a:t>
             </a:r>
             <a:endParaRPr lang="en-US" dirty="0"/>
           </a:p>
@@ -940,7 +940,7 @@
           <a:p>
             <a:fld id="{C831782F-21FA-48FB-9F9F-BED0A8723E8B}" type="slidenum">
               <a:rPr lang="en-US" smtClean="0"/>
-              <a:t>7</a:t>
+              <a:t>6</a:t>
             </a:fld>
             <a:endParaRPr lang="en-US"/>
           </a:p>
@@ -949,7 +949,7 @@
     </p:spTree>
     <p:extLst>
       <p:ext uri="{BB962C8B-B14F-4D97-AF65-F5344CB8AC3E}">
-        <p14:creationId xmlns:p14="http://schemas.microsoft.com/office/powerpoint/2010/main" val="4232044814"/>
+        <p14:creationId xmlns:p14="http://schemas.microsoft.com/office/powerpoint/2010/main" val="147438540"/>
       </p:ext>
     </p:extLst>
   </p:cSld>
@@ -4689,6 +4689,281 @@
 </file>
 
 <file path=ppt/slides/slide3.xml><?xml version="1.0" encoding="utf-8"?>
+<p:sld xmlns:a="http://schemas.openxmlformats.org/drawingml/2006/main" xmlns:r="http://schemas.openxmlformats.org/officeDocument/2006/relationships" xmlns:p="http://schemas.openxmlformats.org/presentationml/2006/main">
+  <p:cSld>
+    <p:spTree>
+      <p:nvGrpSpPr>
+        <p:cNvPr id="1" name=""/>
+        <p:cNvGrpSpPr/>
+        <p:nvPr/>
+      </p:nvGrpSpPr>
+      <p:grpSpPr>
+        <a:xfrm>
+          <a:off x="0" y="0"/>
+          <a:ext cx="0" cy="0"/>
+          <a:chOff x="0" y="0"/>
+          <a:chExt cx="0" cy="0"/>
+        </a:xfrm>
+      </p:grpSpPr>
+      <p:sp>
+        <p:nvSpPr>
+          <p:cNvPr id="2" name="Title 1"/>
+          <p:cNvSpPr>
+            <a:spLocks noGrp="1"/>
+          </p:cNvSpPr>
+          <p:nvPr>
+            <p:ph type="title"/>
+          </p:nvPr>
+        </p:nvSpPr>
+        <p:spPr/>
+        <p:txBody>
+          <a:bodyPr/>
+          <a:lstStyle/>
+          <a:p>
+            <a:r>
+              <a:rPr lang="en-US" dirty="0" smtClean="0"/>
+              <a:t>Key Features</a:t>
+            </a:r>
+            <a:endParaRPr lang="en-US" dirty="0"/>
+          </a:p>
+        </p:txBody>
+      </p:sp>
+      <p:graphicFrame>
+        <p:nvGraphicFramePr>
+          <p:cNvPr id="4" name="Content Placeholder 3"/>
+          <p:cNvGraphicFramePr>
+            <a:graphicFrameLocks noGrp="1"/>
+          </p:cNvGraphicFramePr>
+          <p:nvPr>
+            <p:ph idx="1"/>
+            <p:extLst>
+              <p:ext uri="{D42A27DB-BD31-4B8C-83A1-F6EECF244321}">
+                <p14:modId xmlns:p14="http://schemas.microsoft.com/office/powerpoint/2010/main" val="1724032552"/>
+              </p:ext>
+            </p:extLst>
+          </p:nvPr>
+        </p:nvGraphicFramePr>
+        <p:xfrm>
+          <a:off x="457200" y="1600200"/>
+          <a:ext cx="8229600" cy="2595880"/>
+        </p:xfrm>
+        <a:graphic>
+          <a:graphicData uri="http://schemas.openxmlformats.org/drawingml/2006/table">
+            <a:tbl>
+              <a:tblPr firstRow="1" bandRow="1">
+                <a:tableStyleId>{5C22544A-7EE6-4342-B048-85BDC9FD1C3A}</a:tableStyleId>
+              </a:tblPr>
+              <a:tblGrid>
+                <a:gridCol w="8229600"/>
+              </a:tblGrid>
+              <a:tr h="370840">
+                <a:tc>
+                  <a:txBody>
+                    <a:bodyPr/>
+                    <a:lstStyle/>
+                    <a:p>
+                      <a:endParaRPr lang="en-US" dirty="0"/>
+                    </a:p>
+                  </a:txBody>
+                  <a:tcPr/>
+                </a:tc>
+              </a:tr>
+              <a:tr h="370840">
+                <a:tc>
+                  <a:txBody>
+                    <a:bodyPr/>
+                    <a:lstStyle/>
+                    <a:p>
+                      <a:r>
+                        <a:rPr lang="en-US" sz="1800" b="0" i="0" u="none" strike="noStrike" kern="1200" baseline="0" dirty="0" smtClean="0">
+                          <a:solidFill>
+                            <a:schemeClr val="dk1"/>
+                          </a:solidFill>
+                          <a:latin typeface="+mn-lt"/>
+                          <a:ea typeface="+mn-ea"/>
+                          <a:cs typeface="+mn-cs"/>
+                        </a:rPr>
+                        <a:t>View map of surrounding area</a:t>
+                      </a:r>
+                      <a:endParaRPr lang="en-US" dirty="0"/>
+                    </a:p>
+                  </a:txBody>
+                  <a:tcPr/>
+                </a:tc>
+              </a:tr>
+              <a:tr h="370840">
+                <a:tc>
+                  <a:txBody>
+                    <a:bodyPr/>
+                    <a:lstStyle/>
+                    <a:p>
+                      <a:r>
+                        <a:rPr lang="en-US" sz="1800" b="0" i="0" u="none" strike="noStrike" kern="1200" baseline="0" dirty="0" smtClean="0">
+                          <a:solidFill>
+                            <a:schemeClr val="dk1"/>
+                          </a:solidFill>
+                          <a:latin typeface="+mn-lt"/>
+                          <a:ea typeface="+mn-ea"/>
+                          <a:cs typeface="+mn-cs"/>
+                        </a:rPr>
+                        <a:t>View points of interest on the map</a:t>
+                      </a:r>
+                      <a:endParaRPr lang="en-US" dirty="0"/>
+                    </a:p>
+                  </a:txBody>
+                  <a:tcPr/>
+                </a:tc>
+              </a:tr>
+              <a:tr h="370840">
+                <a:tc>
+                  <a:txBody>
+                    <a:bodyPr/>
+                    <a:lstStyle/>
+                    <a:p>
+                      <a:r>
+                        <a:rPr lang="en-US" sz="1800" b="0" i="0" u="none" strike="noStrike" kern="1200" baseline="0" dirty="0" smtClean="0">
+                          <a:solidFill>
+                            <a:schemeClr val="dk1"/>
+                          </a:solidFill>
+                          <a:latin typeface="+mn-lt"/>
+                          <a:ea typeface="+mn-ea"/>
+                          <a:cs typeface="+mn-cs"/>
+                        </a:rPr>
+                        <a:t>View current location on the map</a:t>
+                      </a:r>
+                      <a:endParaRPr lang="en-US" dirty="0"/>
+                    </a:p>
+                  </a:txBody>
+                  <a:tcPr/>
+                </a:tc>
+              </a:tr>
+              <a:tr h="370840">
+                <a:tc>
+                  <a:txBody>
+                    <a:bodyPr/>
+                    <a:lstStyle/>
+                    <a:p>
+                      <a:r>
+                        <a:rPr lang="en-US" sz="1800" b="0" i="0" u="none" strike="noStrike" kern="1200" baseline="0" dirty="0" smtClean="0">
+                          <a:solidFill>
+                            <a:schemeClr val="dk1"/>
+                          </a:solidFill>
+                          <a:latin typeface="+mn-lt"/>
+                          <a:ea typeface="+mn-ea"/>
+                          <a:cs typeface="+mn-cs"/>
+                        </a:rPr>
+                        <a:t>App must </a:t>
+                      </a:r>
+                      <a:r>
+                        <a:rPr lang="en-US" sz="1800" b="0" i="0" u="none" strike="noStrike" kern="1200" baseline="0" dirty="0" smtClean="0">
+                          <a:solidFill>
+                            <a:schemeClr val="dk1"/>
+                          </a:solidFill>
+                          <a:latin typeface="+mn-lt"/>
+                          <a:ea typeface="+mn-ea"/>
+                          <a:cs typeface="+mn-cs"/>
+                        </a:rPr>
+                        <a:t>not require internet access</a:t>
+                      </a:r>
+                      <a:endParaRPr lang="en-US" dirty="0"/>
+                    </a:p>
+                  </a:txBody>
+                  <a:tcPr/>
+                </a:tc>
+              </a:tr>
+              <a:tr h="370840">
+                <a:tc>
+                  <a:txBody>
+                    <a:bodyPr/>
+                    <a:lstStyle/>
+                    <a:p>
+                      <a:r>
+                        <a:rPr lang="en-US" sz="1800" b="0" i="0" u="none" strike="noStrike" kern="1200" baseline="0" dirty="0" smtClean="0">
+                          <a:solidFill>
+                            <a:schemeClr val="dk1"/>
+                          </a:solidFill>
+                          <a:latin typeface="+mn-lt"/>
+                          <a:ea typeface="+mn-ea"/>
+                          <a:cs typeface="+mn-cs"/>
+                        </a:rPr>
+                        <a:t>App must </a:t>
+                      </a:r>
+                      <a:r>
+                        <a:rPr lang="en-US" sz="1800" b="0" i="0" u="none" strike="noStrike" kern="1200" baseline="0" dirty="0" smtClean="0">
+                          <a:solidFill>
+                            <a:schemeClr val="dk1"/>
+                          </a:solidFill>
+                          <a:latin typeface="+mn-lt"/>
+                          <a:ea typeface="+mn-ea"/>
+                          <a:cs typeface="+mn-cs"/>
+                        </a:rPr>
+                        <a:t>be Android based</a:t>
+                      </a:r>
+                      <a:endParaRPr lang="en-US" dirty="0"/>
+                    </a:p>
+                  </a:txBody>
+                  <a:tcPr/>
+                </a:tc>
+              </a:tr>
+              <a:tr h="370840">
+                <a:tc>
+                  <a:txBody>
+                    <a:bodyPr/>
+                    <a:lstStyle/>
+                    <a:p>
+                      <a:r>
+                        <a:rPr lang="en-US" sz="1800" b="0" i="0" u="none" strike="noStrike" kern="1200" baseline="0" dirty="0" smtClean="0">
+                          <a:solidFill>
+                            <a:schemeClr val="dk1"/>
+                          </a:solidFill>
+                          <a:latin typeface="+mn-lt"/>
+                          <a:ea typeface="+mn-ea"/>
+                          <a:cs typeface="+mn-cs"/>
+                        </a:rPr>
+                        <a:t>App </a:t>
+                      </a:r>
+                      <a:r>
+                        <a:rPr lang="en-US" sz="1800" b="0" i="0" u="none" strike="noStrike" kern="1200" baseline="0" dirty="0" smtClean="0">
+                          <a:solidFill>
+                            <a:schemeClr val="dk1"/>
+                          </a:solidFill>
+                          <a:latin typeface="+mn-lt"/>
+                          <a:ea typeface="+mn-ea"/>
+                          <a:cs typeface="+mn-cs"/>
+                        </a:rPr>
+                        <a:t>must work on any size android device</a:t>
+                      </a:r>
+                      <a:endParaRPr lang="en-US" dirty="0"/>
+                    </a:p>
+                  </a:txBody>
+                  <a:tcPr/>
+                </a:tc>
+              </a:tr>
+            </a:tbl>
+          </a:graphicData>
+        </a:graphic>
+      </p:graphicFrame>
+    </p:spTree>
+    <p:extLst>
+      <p:ext uri="{BB962C8B-B14F-4D97-AF65-F5344CB8AC3E}">
+        <p14:creationId xmlns:p14="http://schemas.microsoft.com/office/powerpoint/2010/main" val="1891850227"/>
+      </p:ext>
+    </p:extLst>
+  </p:cSld>
+  <p:clrMapOvr>
+    <a:masterClrMapping/>
+  </p:clrMapOvr>
+  <p:timing>
+    <p:tnLst>
+      <p:par>
+        <p:cTn id="1" dur="indefinite" restart="never" nodeType="tmRoot"/>
+      </p:par>
+    </p:tnLst>
+  </p:timing>
+</p:sld>
+</file>
+
+<file path=ppt/slides/slide4.xml><?xml version="1.0" encoding="utf-8"?>
 <p:sld xmlns:a="http://schemas.openxmlformats.org/drawingml/2006/main" xmlns:r="http://schemas.openxmlformats.org/officeDocument/2006/relationships" xmlns:p="http://schemas.openxmlformats.org/presentationml/2006/main">
   <p:cSld>
     <p:spTree>
@@ -5060,139 +5335,6 @@
 </p:sld>
 </file>
 
-<file path=ppt/slides/slide4.xml><?xml version="1.0" encoding="utf-8"?>
-<p:sld xmlns:a="http://schemas.openxmlformats.org/drawingml/2006/main" xmlns:r="http://schemas.openxmlformats.org/officeDocument/2006/relationships" xmlns:p="http://schemas.openxmlformats.org/presentationml/2006/main">
-  <p:cSld>
-    <p:spTree>
-      <p:nvGrpSpPr>
-        <p:cNvPr id="1" name=""/>
-        <p:cNvGrpSpPr/>
-        <p:nvPr/>
-      </p:nvGrpSpPr>
-      <p:grpSpPr>
-        <a:xfrm>
-          <a:off x="0" y="0"/>
-          <a:ext cx="0" cy="0"/>
-          <a:chOff x="0" y="0"/>
-          <a:chExt cx="0" cy="0"/>
-        </a:xfrm>
-      </p:grpSpPr>
-      <p:sp>
-        <p:nvSpPr>
-          <p:cNvPr id="2" name="Title 1"/>
-          <p:cNvSpPr>
-            <a:spLocks noGrp="1"/>
-          </p:cNvSpPr>
-          <p:nvPr>
-            <p:ph type="title"/>
-          </p:nvPr>
-        </p:nvSpPr>
-        <p:spPr/>
-        <p:txBody>
-          <a:bodyPr/>
-          <a:lstStyle/>
-          <a:p>
-            <a:r>
-              <a:rPr lang="en-US" dirty="0" smtClean="0"/>
-              <a:t>Process</a:t>
-            </a:r>
-            <a:endParaRPr lang="en-US" dirty="0"/>
-          </a:p>
-        </p:txBody>
-      </p:sp>
-      <p:sp>
-        <p:nvSpPr>
-          <p:cNvPr id="3" name="Content Placeholder 2"/>
-          <p:cNvSpPr>
-            <a:spLocks noGrp="1"/>
-          </p:cNvSpPr>
-          <p:nvPr>
-            <p:ph idx="1"/>
-          </p:nvPr>
-        </p:nvSpPr>
-        <p:spPr/>
-        <p:txBody>
-          <a:bodyPr>
-            <a:normAutofit/>
-          </a:bodyPr>
-          <a:lstStyle/>
-          <a:p>
-            <a:r>
-              <a:rPr lang="en-US" dirty="0" smtClean="0"/>
-              <a:t>Using a modified version of </a:t>
-            </a:r>
-            <a:r>
-              <a:rPr lang="en-US" dirty="0" smtClean="0"/>
-              <a:t>the </a:t>
-            </a:r>
-            <a:r>
-              <a:rPr lang="en-US" dirty="0" smtClean="0"/>
-              <a:t>waterfall model called </a:t>
-            </a:r>
-            <a:r>
-              <a:rPr lang="en-US" dirty="0" smtClean="0"/>
-              <a:t>Swift</a:t>
-            </a:r>
-            <a:endParaRPr lang="en-US" dirty="0" smtClean="0"/>
-          </a:p>
-          <a:p>
-            <a:r>
-              <a:rPr lang="en-US" dirty="0" smtClean="0"/>
-              <a:t>Project code and documentation hosted on </a:t>
-            </a:r>
-            <a:r>
-              <a:rPr lang="en-US" dirty="0" err="1" smtClean="0"/>
-              <a:t>GitHub</a:t>
-            </a:r>
-            <a:endParaRPr lang="en-US" dirty="0" smtClean="0"/>
-          </a:p>
-          <a:p>
-            <a:r>
-              <a:rPr lang="en-US" dirty="0" smtClean="0"/>
-              <a:t>Client allows flexible coding process</a:t>
-            </a:r>
-          </a:p>
-          <a:p>
-            <a:pPr lvl="1"/>
-            <a:r>
-              <a:rPr lang="en-US" dirty="0" smtClean="0"/>
-              <a:t>Short sprints with deliverables at the end of each</a:t>
-            </a:r>
-          </a:p>
-          <a:p>
-            <a:pPr lvl="1"/>
-            <a:r>
-              <a:rPr lang="en-US" dirty="0" err="1" smtClean="0"/>
-              <a:t>Kanban</a:t>
-            </a:r>
-            <a:r>
-              <a:rPr lang="en-US" dirty="0" smtClean="0"/>
-              <a:t> board to track progress of code pieces</a:t>
-            </a:r>
-            <a:endParaRPr lang="en-US" dirty="0"/>
-          </a:p>
-        </p:txBody>
-      </p:sp>
-    </p:spTree>
-    <p:extLst>
-      <p:ext uri="{BB962C8B-B14F-4D97-AF65-F5344CB8AC3E}">
-        <p14:creationId xmlns:p14="http://schemas.microsoft.com/office/powerpoint/2010/main" val="2543564695"/>
-      </p:ext>
-    </p:extLst>
-  </p:cSld>
-  <p:clrMapOvr>
-    <a:masterClrMapping/>
-  </p:clrMapOvr>
-  <p:timing>
-    <p:tnLst>
-      <p:par>
-        <p:cTn id="1" dur="indefinite" restart="never" nodeType="tmRoot"/>
-      </p:par>
-    </p:tnLst>
-  </p:timing>
-</p:sld>
-</file>
-
 <file path=ppt/slides/slide5.xml><?xml version="1.0" encoding="utf-8"?>
 <p:sld xmlns:a="http://schemas.openxmlformats.org/drawingml/2006/main" xmlns:r="http://schemas.openxmlformats.org/officeDocument/2006/relationships" xmlns:p="http://schemas.openxmlformats.org/presentationml/2006/main">
   <p:cSld>
@@ -5212,12 +5354,35 @@
       </p:grpSpPr>
       <p:sp>
         <p:nvSpPr>
-          <p:cNvPr id="7" name="Title 6"/>
+          <p:cNvPr id="2" name="Title 1"/>
           <p:cNvSpPr>
             <a:spLocks noGrp="1"/>
           </p:cNvSpPr>
           <p:nvPr>
             <p:ph type="title"/>
+          </p:nvPr>
+        </p:nvSpPr>
+        <p:spPr/>
+        <p:txBody>
+          <a:bodyPr/>
+          <a:lstStyle/>
+          <a:p>
+            <a:r>
+              <a:rPr lang="en-US" dirty="0" smtClean="0"/>
+              <a:t>Process</a:t>
+            </a:r>
+            <a:endParaRPr lang="en-US" dirty="0"/>
+          </a:p>
+        </p:txBody>
+      </p:sp>
+      <p:sp>
+        <p:nvSpPr>
+          <p:cNvPr id="3" name="Content Placeholder 2"/>
+          <p:cNvSpPr>
+            <a:spLocks noGrp="1"/>
+          </p:cNvSpPr>
+          <p:nvPr>
+            <p:ph idx="1"/>
           </p:nvPr>
         </p:nvSpPr>
         <p:spPr/>
@@ -5229,167 +5394,56 @@
           <a:p>
             <a:r>
               <a:rPr lang="en-US" dirty="0" smtClean="0"/>
-              <a:t>Project Schedule &amp; Milestones</a:t>
-            </a:r>
-            <a:endParaRPr lang="en-US" dirty="0"/>
-          </a:p>
-        </p:txBody>
-      </p:sp>
-      <p:sp>
-        <p:nvSpPr>
-          <p:cNvPr id="8" name="Content Placeholder 7"/>
-          <p:cNvSpPr>
-            <a:spLocks noGrp="1"/>
-          </p:cNvSpPr>
-          <p:nvPr>
-            <p:ph idx="1"/>
-          </p:nvPr>
-        </p:nvSpPr>
-        <p:spPr/>
-        <p:txBody>
-          <a:bodyPr>
-            <a:normAutofit lnSpcReduction="10000"/>
-          </a:bodyPr>
-          <a:lstStyle/>
-          <a:p>
+              <a:t>Using a modified version of </a:t>
+            </a:r>
             <a:r>
               <a:rPr lang="en-US" dirty="0" smtClean="0"/>
-              <a:t>System Requirements Review:       October 17</a:t>
-            </a:r>
-            <a:r>
-              <a:rPr lang="en-US" baseline="30000" dirty="0" smtClean="0"/>
-              <a:t>th</a:t>
-            </a:r>
-          </a:p>
-          <a:p>
+              <a:t>the </a:t>
+            </a:r>
             <a:r>
               <a:rPr lang="en-US" dirty="0" smtClean="0"/>
-              <a:t>Preliminary Design Review:            October 31</a:t>
-            </a:r>
-            <a:r>
-              <a:rPr lang="en-US" baseline="30000" dirty="0" smtClean="0"/>
-              <a:t>st</a:t>
+              <a:t>waterfall model called </a:t>
+            </a:r>
+            <a:r>
+              <a:rPr lang="en-US" dirty="0" smtClean="0"/>
+              <a:t>Swift</a:t>
             </a:r>
             <a:endParaRPr lang="en-US" dirty="0" smtClean="0"/>
           </a:p>
           <a:p>
             <a:r>
               <a:rPr lang="en-US" dirty="0" smtClean="0"/>
-              <a:t>Alpha Release:                              December 19</a:t>
-            </a:r>
-            <a:r>
-              <a:rPr lang="en-US" baseline="30000" dirty="0" smtClean="0"/>
-              <a:t>th</a:t>
-            </a:r>
+              <a:t>Project code and documentation hosted on </a:t>
+            </a:r>
+            <a:r>
+              <a:rPr lang="en-US" dirty="0" err="1" smtClean="0"/>
+              <a:t>GitHub</a:t>
+            </a:r>
+            <a:endParaRPr lang="en-US" dirty="0" smtClean="0"/>
           </a:p>
           <a:p>
             <a:r>
               <a:rPr lang="en-US" dirty="0" smtClean="0"/>
-              <a:t>Beta Release:                                     February 6</a:t>
-            </a:r>
-            <a:r>
-              <a:rPr lang="en-US" baseline="30000" dirty="0" smtClean="0"/>
-              <a:t>th</a:t>
-            </a:r>
+              <a:t>Client allows flexible coding process</a:t>
+            </a:r>
+          </a:p>
+          <a:p>
+            <a:pPr lvl="1"/>
             <a:r>
               <a:rPr lang="en-US" dirty="0" smtClean="0"/>
-              <a:t> </a:t>
-            </a:r>
-          </a:p>
-          <a:p>
+              <a:t>Short sprints with deliverables at the end of each</a:t>
+            </a:r>
+          </a:p>
+          <a:p>
+            <a:pPr lvl="1"/>
+            <a:r>
+              <a:rPr lang="en-US" dirty="0" err="1" smtClean="0"/>
+              <a:t>Kanban</a:t>
+            </a:r>
             <a:r>
               <a:rPr lang="en-US" dirty="0" smtClean="0"/>
-              <a:t>Critical Design Review:                     February 6</a:t>
-            </a:r>
-            <a:r>
-              <a:rPr lang="en-US" baseline="30000" dirty="0" smtClean="0"/>
-              <a:t>th</a:t>
-            </a:r>
-            <a:endParaRPr lang="en-US" dirty="0" smtClean="0"/>
-          </a:p>
-          <a:p>
-            <a:r>
-              <a:rPr lang="en-US" dirty="0" smtClean="0"/>
-              <a:t>Test Readiness Review:                       March 20</a:t>
-            </a:r>
-            <a:r>
-              <a:rPr lang="en-US" baseline="30000" dirty="0" smtClean="0"/>
-              <a:t>th</a:t>
-            </a:r>
-            <a:endParaRPr lang="en-US" dirty="0" smtClean="0"/>
-          </a:p>
-          <a:p>
-            <a:r>
-              <a:rPr lang="en-US" dirty="0" smtClean="0"/>
-              <a:t>Final Release:                                          April 17</a:t>
-            </a:r>
-            <a:r>
-              <a:rPr lang="en-US" baseline="30000" dirty="0" smtClean="0"/>
-              <a:t>th</a:t>
-            </a:r>
-            <a:endParaRPr lang="en-US" dirty="0" smtClean="0"/>
-          </a:p>
-          <a:p>
-            <a:r>
-              <a:rPr lang="en-US" dirty="0" smtClean="0"/>
-              <a:t>Expo/Out brief:                                       May 22</a:t>
-            </a:r>
-            <a:r>
-              <a:rPr lang="en-US" baseline="30000" dirty="0" smtClean="0"/>
-              <a:t>nd</a:t>
-            </a:r>
-            <a:r>
-              <a:rPr lang="en-US" dirty="0" smtClean="0"/>
-              <a:t> </a:t>
-            </a:r>
-            <a:endParaRPr lang="en-US" dirty="0"/>
-          </a:p>
-        </p:txBody>
-      </p:sp>
-      <p:sp>
-        <p:nvSpPr>
-          <p:cNvPr id="4" name="Date Placeholder 3"/>
-          <p:cNvSpPr>
-            <a:spLocks noGrp="1"/>
-          </p:cNvSpPr>
-          <p:nvPr>
-            <p:ph type="dt" sz="half" idx="10"/>
-          </p:nvPr>
-        </p:nvSpPr>
-        <p:spPr/>
-        <p:txBody>
-          <a:bodyPr/>
-          <a:lstStyle/>
-          <a:p>
-            <a:fld id="{7E42FB2E-ABA8-41CA-9C7C-28F5EB525474}" type="datetime1">
-              <a:rPr lang="en-US" smtClean="0"/>
-              <a:pPr/>
-              <a:t>10/16/2012</a:t>
-            </a:fld>
-            <a:endParaRPr lang="en-US" dirty="0"/>
-          </a:p>
-        </p:txBody>
-      </p:sp>
-      <p:sp>
-        <p:nvSpPr>
-          <p:cNvPr id="5" name="Slide Number Placeholder 4"/>
-          <p:cNvSpPr>
-            <a:spLocks noGrp="1"/>
-          </p:cNvSpPr>
-          <p:nvPr>
-            <p:ph type="sldNum" sz="quarter" idx="12"/>
-          </p:nvPr>
-        </p:nvSpPr>
-        <p:spPr/>
-        <p:txBody>
-          <a:bodyPr/>
-          <a:lstStyle/>
-          <a:p>
-            <a:fld id="{8D57DBB9-07C6-49AB-BFD5-E737C7E241F6}" type="slidenum">
-              <a:rPr lang="en-US" smtClean="0"/>
-              <a:pPr/>
-              <a:t>5</a:t>
-            </a:fld>
+              <a:t> board to track progress of code pieces</a:t>
+            </a:r>
             <a:endParaRPr lang="en-US" dirty="0"/>
           </a:p>
         </p:txBody>
@@ -5397,21 +5451,13 @@
     </p:spTree>
     <p:extLst>
       <p:ext uri="{BB962C8B-B14F-4D97-AF65-F5344CB8AC3E}">
-        <p14:creationId xmlns:p14="http://schemas.microsoft.com/office/powerpoint/2010/main" val="1593611290"/>
+        <p14:creationId xmlns:p14="http://schemas.microsoft.com/office/powerpoint/2010/main" val="2543564695"/>
       </p:ext>
     </p:extLst>
   </p:cSld>
   <p:clrMapOvr>
     <a:masterClrMapping/>
   </p:clrMapOvr>
-  <mc:AlternateContent xmlns:mc="http://schemas.openxmlformats.org/markup-compatibility/2006" xmlns:p14="http://schemas.microsoft.com/office/powerpoint/2010/main">
-    <mc:Choice Requires="p14">
-      <p:transition spd="slow" p14:dur="2000"/>
-    </mc:Choice>
-    <mc:Fallback xmlns="">
-      <p:transition spd="slow"/>
-    </mc:Fallback>
-  </mc:AlternateContent>
   <p:timing>
     <p:tnLst>
       <p:par>
@@ -5677,7 +5723,7 @@
             <a:spLocks noGrp="1"/>
           </p:cNvSpPr>
           <p:nvPr>
-            <p:ph type="title"/>
+            <p:ph type="ctrTitle"/>
           </p:nvPr>
         </p:nvSpPr>
         <p:spPr/>
@@ -5687,231 +5733,39 @@
           <a:p>
             <a:r>
               <a:rPr lang="en-US" dirty="0" smtClean="0"/>
-              <a:t>Key Features</a:t>
+              <a:t>Current Progress</a:t>
             </a:r>
             <a:endParaRPr lang="en-US" dirty="0"/>
           </a:p>
         </p:txBody>
       </p:sp>
-      <p:graphicFrame>
-        <p:nvGraphicFramePr>
-          <p:cNvPr id="4" name="Content Placeholder 3"/>
-          <p:cNvGraphicFramePr>
-            <a:graphicFrameLocks noGrp="1"/>
-          </p:cNvGraphicFramePr>
-          <p:nvPr>
-            <p:ph idx="1"/>
-            <p:extLst>
-              <p:ext uri="{D42A27DB-BD31-4B8C-83A1-F6EECF244321}">
-                <p14:modId xmlns:p14="http://schemas.microsoft.com/office/powerpoint/2010/main" val="1724032552"/>
-              </p:ext>
-            </p:extLst>
-          </p:nvPr>
-        </p:nvGraphicFramePr>
-        <p:xfrm>
-          <a:off x="457200" y="1600200"/>
-          <a:ext cx="8229600" cy="2595880"/>
-        </p:xfrm>
-        <a:graphic>
-          <a:graphicData uri="http://schemas.openxmlformats.org/drawingml/2006/table">
-            <a:tbl>
-              <a:tblPr firstRow="1" bandRow="1">
-                <a:tableStyleId>{5C22544A-7EE6-4342-B048-85BDC9FD1C3A}</a:tableStyleId>
-              </a:tblPr>
-              <a:tblGrid>
-                <a:gridCol w="8229600"/>
-              </a:tblGrid>
-              <a:tr h="370840">
-                <a:tc>
-                  <a:txBody>
-                    <a:bodyPr/>
-                    <a:lstStyle/>
-                    <a:p>
-                      <a:endParaRPr lang="en-US" dirty="0"/>
-                    </a:p>
-                  </a:txBody>
-                  <a:tcPr/>
-                </a:tc>
-              </a:tr>
-              <a:tr h="370840">
-                <a:tc>
-                  <a:txBody>
-                    <a:bodyPr/>
-                    <a:lstStyle/>
-                    <a:p>
-                      <a:r>
-                        <a:rPr lang="en-US" sz="1800" b="0" i="0" u="none" strike="noStrike" kern="1200" baseline="0" dirty="0" smtClean="0">
-                          <a:solidFill>
-                            <a:schemeClr val="dk1"/>
-                          </a:solidFill>
-                          <a:latin typeface="+mn-lt"/>
-                          <a:ea typeface="+mn-ea"/>
-                          <a:cs typeface="+mn-cs"/>
-                        </a:rPr>
-                        <a:t>View map of surrounding area</a:t>
-                      </a:r>
-                      <a:endParaRPr lang="en-US" dirty="0"/>
-                    </a:p>
-                  </a:txBody>
-                  <a:tcPr/>
-                </a:tc>
-              </a:tr>
-              <a:tr h="370840">
-                <a:tc>
-                  <a:txBody>
-                    <a:bodyPr/>
-                    <a:lstStyle/>
-                    <a:p>
-                      <a:r>
-                        <a:rPr lang="en-US" sz="1800" b="0" i="0" u="none" strike="noStrike" kern="1200" baseline="0" dirty="0" smtClean="0">
-                          <a:solidFill>
-                            <a:schemeClr val="dk1"/>
-                          </a:solidFill>
-                          <a:latin typeface="+mn-lt"/>
-                          <a:ea typeface="+mn-ea"/>
-                          <a:cs typeface="+mn-cs"/>
-                        </a:rPr>
-                        <a:t>View points of interest on the map</a:t>
-                      </a:r>
-                      <a:endParaRPr lang="en-US" dirty="0"/>
-                    </a:p>
-                  </a:txBody>
-                  <a:tcPr/>
-                </a:tc>
-              </a:tr>
-              <a:tr h="370840">
-                <a:tc>
-                  <a:txBody>
-                    <a:bodyPr/>
-                    <a:lstStyle/>
-                    <a:p>
-                      <a:r>
-                        <a:rPr lang="en-US" sz="1800" b="0" i="0" u="none" strike="noStrike" kern="1200" baseline="0" dirty="0" smtClean="0">
-                          <a:solidFill>
-                            <a:schemeClr val="dk1"/>
-                          </a:solidFill>
-                          <a:latin typeface="+mn-lt"/>
-                          <a:ea typeface="+mn-ea"/>
-                          <a:cs typeface="+mn-cs"/>
-                        </a:rPr>
-                        <a:t>View current location on the map</a:t>
-                      </a:r>
-                      <a:endParaRPr lang="en-US" dirty="0"/>
-                    </a:p>
-                  </a:txBody>
-                  <a:tcPr/>
-                </a:tc>
-              </a:tr>
-              <a:tr h="370840">
-                <a:tc>
-                  <a:txBody>
-                    <a:bodyPr/>
-                    <a:lstStyle/>
-                    <a:p>
-                      <a:r>
-                        <a:rPr lang="en-US" sz="1800" b="0" i="0" u="none" strike="noStrike" kern="1200" baseline="0" dirty="0" smtClean="0">
-                          <a:solidFill>
-                            <a:schemeClr val="dk1"/>
-                          </a:solidFill>
-                          <a:latin typeface="+mn-lt"/>
-                          <a:ea typeface="+mn-ea"/>
-                          <a:cs typeface="+mn-cs"/>
-                        </a:rPr>
-                        <a:t>App must </a:t>
-                      </a:r>
-                      <a:r>
-                        <a:rPr lang="en-US" sz="1800" b="0" i="0" u="none" strike="noStrike" kern="1200" baseline="0" dirty="0" smtClean="0">
-                          <a:solidFill>
-                            <a:schemeClr val="dk1"/>
-                          </a:solidFill>
-                          <a:latin typeface="+mn-lt"/>
-                          <a:ea typeface="+mn-ea"/>
-                          <a:cs typeface="+mn-cs"/>
-                        </a:rPr>
-                        <a:t>not require internet access</a:t>
-                      </a:r>
-                      <a:endParaRPr lang="en-US" dirty="0"/>
-                    </a:p>
-                  </a:txBody>
-                  <a:tcPr/>
-                </a:tc>
-              </a:tr>
-              <a:tr h="370840">
-                <a:tc>
-                  <a:txBody>
-                    <a:bodyPr/>
-                    <a:lstStyle/>
-                    <a:p>
-                      <a:r>
-                        <a:rPr lang="en-US" sz="1800" b="0" i="0" u="none" strike="noStrike" kern="1200" baseline="0" dirty="0" smtClean="0">
-                          <a:solidFill>
-                            <a:schemeClr val="dk1"/>
-                          </a:solidFill>
-                          <a:latin typeface="+mn-lt"/>
-                          <a:ea typeface="+mn-ea"/>
-                          <a:cs typeface="+mn-cs"/>
-                        </a:rPr>
-                        <a:t>App must </a:t>
-                      </a:r>
-                      <a:r>
-                        <a:rPr lang="en-US" sz="1800" b="0" i="0" u="none" strike="noStrike" kern="1200" baseline="0" dirty="0" smtClean="0">
-                          <a:solidFill>
-                            <a:schemeClr val="dk1"/>
-                          </a:solidFill>
-                          <a:latin typeface="+mn-lt"/>
-                          <a:ea typeface="+mn-ea"/>
-                          <a:cs typeface="+mn-cs"/>
-                        </a:rPr>
-                        <a:t>be Android based</a:t>
-                      </a:r>
-                      <a:endParaRPr lang="en-US" dirty="0"/>
-                    </a:p>
-                  </a:txBody>
-                  <a:tcPr/>
-                </a:tc>
-              </a:tr>
-              <a:tr h="370840">
-                <a:tc>
-                  <a:txBody>
-                    <a:bodyPr/>
-                    <a:lstStyle/>
-                    <a:p>
-                      <a:r>
-                        <a:rPr lang="en-US" sz="1800" b="0" i="0" u="none" strike="noStrike" kern="1200" baseline="0" dirty="0" smtClean="0">
-                          <a:solidFill>
-                            <a:schemeClr val="dk1"/>
-                          </a:solidFill>
-                          <a:latin typeface="+mn-lt"/>
-                          <a:ea typeface="+mn-ea"/>
-                          <a:cs typeface="+mn-cs"/>
-                        </a:rPr>
-                        <a:t>App </a:t>
-                      </a:r>
-                      <a:r>
-                        <a:rPr lang="en-US" sz="1800" b="0" i="0" u="none" strike="noStrike" kern="1200" baseline="0" dirty="0" smtClean="0">
-                          <a:solidFill>
-                            <a:schemeClr val="dk1"/>
-                          </a:solidFill>
-                          <a:latin typeface="+mn-lt"/>
-                          <a:ea typeface="+mn-ea"/>
-                          <a:cs typeface="+mn-cs"/>
-                        </a:rPr>
-                        <a:t>must work on any size android device</a:t>
-                      </a:r>
-                      <a:endParaRPr lang="en-US" dirty="0"/>
-                    </a:p>
-                  </a:txBody>
-                  <a:tcPr/>
-                </a:tc>
-              </a:tr>
-            </a:tbl>
-          </a:graphicData>
-        </a:graphic>
-      </p:graphicFrame>
+      <p:sp>
+        <p:nvSpPr>
+          <p:cNvPr id="3" name="Subtitle 2"/>
+          <p:cNvSpPr>
+            <a:spLocks noGrp="1"/>
+          </p:cNvSpPr>
+          <p:nvPr>
+            <p:ph type="subTitle" idx="1"/>
+          </p:nvPr>
+        </p:nvSpPr>
+        <p:spPr/>
+        <p:txBody>
+          <a:bodyPr/>
+          <a:lstStyle/>
+          <a:p>
+            <a:r>
+              <a:rPr lang="en-US" dirty="0" smtClean="0"/>
+              <a:t>Listen to Sam and Seth talk about doing work</a:t>
+            </a:r>
+            <a:endParaRPr lang="en-US" dirty="0"/>
+          </a:p>
+        </p:txBody>
+      </p:sp>
     </p:spTree>
     <p:extLst>
       <p:ext uri="{BB962C8B-B14F-4D97-AF65-F5344CB8AC3E}">
-        <p14:creationId xmlns:p14="http://schemas.microsoft.com/office/powerpoint/2010/main" val="1891850227"/>
+        <p14:creationId xmlns:p14="http://schemas.microsoft.com/office/powerpoint/2010/main" val="169073301"/>
       </p:ext>
     </p:extLst>
   </p:cSld>
